--- a/slides/05-user-input.pptx
+++ b/slides/05-user-input.pptx
@@ -220,7 +220,7 @@
           <a:p>
             <a:fld id="{3CBB8A52-8AC5-C74C-97FB-632C448F3674}" type="datetimeFigureOut">
               <a:rPr lang="en-US" smtClean="0"/>
-              <a:t>1/23/24</a:t>
+              <a:t>2/2/24</a:t>
             </a:fld>
             <a:endParaRPr lang="en-US"/>
           </a:p>
@@ -1735,7 +1735,7 @@
             <a:fld id="{5586B75A-687E-405C-8A0B-8D00578BA2C3}" type="datetimeFigureOut">
               <a:rPr lang="en-US" smtClean="0"/>
               <a:pPr/>
-              <a:t>1/23/24</a:t>
+              <a:t>2/2/24</a:t>
             </a:fld>
             <a:endParaRPr lang="en-US" dirty="0"/>
           </a:p>
@@ -1907,7 +1907,7 @@
             <a:fld id="{5586B75A-687E-405C-8A0B-8D00578BA2C3}" type="datetimeFigureOut">
               <a:rPr lang="en-US" smtClean="0"/>
               <a:pPr/>
-              <a:t>1/23/24</a:t>
+              <a:t>2/2/24</a:t>
             </a:fld>
             <a:endParaRPr lang="en-US" dirty="0"/>
           </a:p>
@@ -2089,7 +2089,7 @@
             <a:fld id="{5586B75A-687E-405C-8A0B-8D00578BA2C3}" type="datetimeFigureOut">
               <a:rPr lang="en-US" smtClean="0"/>
               <a:pPr/>
-              <a:t>1/23/24</a:t>
+              <a:t>2/2/24</a:t>
             </a:fld>
             <a:endParaRPr lang="en-US" dirty="0"/>
           </a:p>
@@ -2261,7 +2261,7 @@
             <a:fld id="{5586B75A-687E-405C-8A0B-8D00578BA2C3}" type="datetimeFigureOut">
               <a:rPr lang="en-US" smtClean="0"/>
               <a:pPr/>
-              <a:t>1/23/24</a:t>
+              <a:t>2/2/24</a:t>
             </a:fld>
             <a:endParaRPr lang="en-US" dirty="0"/>
           </a:p>
@@ -2517,7 +2517,7 @@
             <a:fld id="{5586B75A-687E-405C-8A0B-8D00578BA2C3}" type="datetimeFigureOut">
               <a:rPr lang="en-US" smtClean="0"/>
               <a:pPr/>
-              <a:t>1/23/24</a:t>
+              <a:t>2/2/24</a:t>
             </a:fld>
             <a:endParaRPr lang="en-US" dirty="0"/>
           </a:p>
@@ -2807,7 +2807,7 @@
             <a:fld id="{5586B75A-687E-405C-8A0B-8D00578BA2C3}" type="datetimeFigureOut">
               <a:rPr lang="en-US" smtClean="0"/>
               <a:pPr/>
-              <a:t>1/23/24</a:t>
+              <a:t>2/2/24</a:t>
             </a:fld>
             <a:endParaRPr lang="en-US" dirty="0"/>
           </a:p>
@@ -3251,7 +3251,7 @@
             <a:fld id="{5586B75A-687E-405C-8A0B-8D00578BA2C3}" type="datetimeFigureOut">
               <a:rPr lang="en-US" smtClean="0"/>
               <a:pPr/>
-              <a:t>1/23/24</a:t>
+              <a:t>2/2/24</a:t>
             </a:fld>
             <a:endParaRPr lang="en-US" dirty="0"/>
           </a:p>
@@ -3371,7 +3371,7 @@
             <a:fld id="{5586B75A-687E-405C-8A0B-8D00578BA2C3}" type="datetimeFigureOut">
               <a:rPr lang="en-US" smtClean="0"/>
               <a:pPr/>
-              <a:t>1/23/24</a:t>
+              <a:t>2/2/24</a:t>
             </a:fld>
             <a:endParaRPr lang="en-US" dirty="0"/>
           </a:p>
@@ -3468,7 +3468,7 @@
             <a:fld id="{5586B75A-687E-405C-8A0B-8D00578BA2C3}" type="datetimeFigureOut">
               <a:rPr lang="en-US" smtClean="0"/>
               <a:pPr/>
-              <a:t>1/23/24</a:t>
+              <a:t>2/2/24</a:t>
             </a:fld>
             <a:endParaRPr lang="en-US" dirty="0"/>
           </a:p>
@@ -3758,7 +3758,7 @@
             <a:fld id="{5586B75A-687E-405C-8A0B-8D00578BA2C3}" type="datetimeFigureOut">
               <a:rPr lang="en-US" smtClean="0"/>
               <a:pPr/>
-              <a:t>1/23/24</a:t>
+              <a:t>2/2/24</a:t>
             </a:fld>
             <a:endParaRPr lang="en-US" dirty="0"/>
           </a:p>
@@ -4033,7 +4033,7 @@
             <a:fld id="{5586B75A-687E-405C-8A0B-8D00578BA2C3}" type="datetimeFigureOut">
               <a:rPr lang="en-US" smtClean="0"/>
               <a:pPr/>
-              <a:t>1/23/24</a:t>
+              <a:t>2/2/24</a:t>
             </a:fld>
             <a:endParaRPr lang="en-US" dirty="0"/>
           </a:p>
@@ -4332,7 +4332,7 @@
             <a:fld id="{5586B75A-687E-405C-8A0B-8D00578BA2C3}" type="datetimeFigureOut">
               <a:rPr lang="en-US" smtClean="0"/>
               <a:pPr/>
-              <a:t>1/23/24</a:t>
+              <a:t>2/2/24</a:t>
             </a:fld>
             <a:endParaRPr lang="en-US" dirty="0"/>
           </a:p>
@@ -9254,7 +9254,15 @@
           <a:p>
             <a:r>
               <a:rPr lang="en-US" sz="2400" dirty="0"/>
-              <a:t>First quiz is out today! </a:t>
+              <a:t>First quiz (</a:t>
+            </a:r>
+            <a:r>
+              <a:rPr lang="en-US" sz="2400"/>
+              <a:t>on PLATO) is </a:t>
+            </a:r>
+            <a:r>
+              <a:rPr lang="en-US" sz="2400" dirty="0"/>
+              <a:t>out today! </a:t>
             </a:r>
           </a:p>
           <a:p>
